--- a/Later/JavaIO/JavaIO_19/Java Java BufferedInputStream class.pptx
+++ b/Later/JavaIO/JavaIO_19/Java Java BufferedInputStream class.pptx
@@ -5,15 +5,16 @@
     <p:sldMasterId id="2147483672" r:id="rId1"/>
   </p:sldMasterIdLst>
   <p:notesMasterIdLst>
-    <p:notesMasterId r:id="rId8"/>
+    <p:notesMasterId r:id="rId9"/>
   </p:notesMasterIdLst>
   <p:sldIdLst>
     <p:sldId id="425" r:id="rId2"/>
     <p:sldId id="426" r:id="rId3"/>
-    <p:sldId id="427" r:id="rId4"/>
-    <p:sldId id="428" r:id="rId5"/>
-    <p:sldId id="429" r:id="rId6"/>
-    <p:sldId id="430" r:id="rId7"/>
+    <p:sldId id="431" r:id="rId4"/>
+    <p:sldId id="427" r:id="rId5"/>
+    <p:sldId id="428" r:id="rId6"/>
+    <p:sldId id="429" r:id="rId7"/>
+    <p:sldId id="430" r:id="rId8"/>
   </p:sldIdLst>
   <p:sldSz cx="9144000" cy="5029200"/>
   <p:notesSz cx="6858000" cy="9144000"/>
@@ -1214,8 +1215,8 @@
     <dgm:cxn modelId="{0228DF13-8486-4804-853F-E0F97028294E}" srcId="{3ED38ACE-DFFC-4614-9F5E-D8C015AE71E1}" destId="{BF50F4D8-EBBC-495A-995F-EA1365FACB58}" srcOrd="0" destOrd="0" parTransId="{FE5A5E38-AA61-4B22-89B5-DBB3C29CFCEF}" sibTransId="{4FA6145B-9B57-4AC7-A0EF-83248CBA98B7}"/>
     <dgm:cxn modelId="{EE6246AF-3BE4-410F-89DF-8B8181CB4BE5}" type="presOf" srcId="{1DFAEF47-3EE9-4B7C-8ADC-6D2B4EDBDA6A}" destId="{EB5BC030-28B5-472F-9447-6DD5AC4501A1}" srcOrd="1" destOrd="0" presId="urn:microsoft.com/office/officeart/2005/8/layout/orgChart1"/>
     <dgm:cxn modelId="{58D55E1C-CD37-4FC9-BFBD-607371D9C2E2}" type="presOf" srcId="{D78D4351-E8D3-46A6-9BBA-3DF4B880AB73}" destId="{4DAC8153-E3FE-4EB6-A490-00448D311606}" srcOrd="0" destOrd="0" presId="urn:microsoft.com/office/officeart/2005/8/layout/orgChart1"/>
+    <dgm:cxn modelId="{9C6257CA-A245-4C45-815B-BDFD2490E4DC}" type="presOf" srcId="{3ED38ACE-DFFC-4614-9F5E-D8C015AE71E1}" destId="{97BFDB70-5BBE-4C28-8BF8-C413889CEDD7}" srcOrd="0" destOrd="0" presId="urn:microsoft.com/office/officeart/2005/8/layout/orgChart1"/>
     <dgm:cxn modelId="{DDEAEA2A-BB43-41CA-9BD0-FF8A14620209}" srcId="{BF50F4D8-EBBC-495A-995F-EA1365FACB58}" destId="{3B7B0056-C62B-479B-A17F-F9DB8E25FB10}" srcOrd="0" destOrd="0" parTransId="{D02A9230-39D1-4915-862A-CD48ABD2E6A6}" sibTransId="{55C83962-DD91-4201-B571-7F6A669CF3A8}"/>
-    <dgm:cxn modelId="{9C6257CA-A245-4C45-815B-BDFD2490E4DC}" type="presOf" srcId="{3ED38ACE-DFFC-4614-9F5E-D8C015AE71E1}" destId="{97BFDB70-5BBE-4C28-8BF8-C413889CEDD7}" srcOrd="0" destOrd="0" presId="urn:microsoft.com/office/officeart/2005/8/layout/orgChart1"/>
     <dgm:cxn modelId="{CFB8731F-1B85-4B2E-AFF8-AFEC527A9C9C}" type="presParOf" srcId="{97BFDB70-5BBE-4C28-8BF8-C413889CEDD7}" destId="{0FE0323D-98E1-4EFA-A5D9-357946EEFF73}" srcOrd="0" destOrd="0" presId="urn:microsoft.com/office/officeart/2005/8/layout/orgChart1"/>
     <dgm:cxn modelId="{27806612-5290-4BC8-8744-AC7741EEC29F}" type="presParOf" srcId="{0FE0323D-98E1-4EFA-A5D9-357946EEFF73}" destId="{078F054A-A0AB-4836-853F-6F5B2120719C}" srcOrd="0" destOrd="0" presId="urn:microsoft.com/office/officeart/2005/8/layout/orgChart1"/>
     <dgm:cxn modelId="{3CBAE5FD-EDA5-46A0-99D3-A6590718E69C}" type="presParOf" srcId="{078F054A-A0AB-4836-853F-6F5B2120719C}" destId="{E2220CD3-3A90-4AA2-8404-779970AC908F}" srcOrd="0" destOrd="0" presId="urn:microsoft.com/office/officeart/2005/8/layout/orgChart1"/>
@@ -3863,7 +3864,7 @@
           <a:p>
             <a:fld id="{62274EC6-3890-417B-9308-14EFBD00FA63}" type="datetimeFigureOut">
               <a:rPr lang="en-US" smtClean="0"/>
-              <a:t>6/21/2016</a:t>
+              <a:t>6/22/2016</a:t>
             </a:fld>
             <a:endParaRPr lang="en-US" dirty="0"/>
           </a:p>
@@ -4665,6 +4666,95 @@
 </p:notes>
 </file>
 
+<file path=ppt/notesSlides/notesSlide7.xml><?xml version="1.0" encoding="utf-8"?>
+<p:notes xmlns:a="http://schemas.openxmlformats.org/drawingml/2006/main" xmlns:r="http://schemas.openxmlformats.org/officeDocument/2006/relationships" xmlns:p="http://schemas.openxmlformats.org/presentationml/2006/main">
+  <p:cSld>
+    <p:spTree>
+      <p:nvGrpSpPr>
+        <p:cNvPr id="1" name=""/>
+        <p:cNvGrpSpPr/>
+        <p:nvPr/>
+      </p:nvGrpSpPr>
+      <p:grpSpPr>
+        <a:xfrm>
+          <a:off x="0" y="0"/>
+          <a:ext cx="0" cy="0"/>
+          <a:chOff x="0" y="0"/>
+          <a:chExt cx="0" cy="0"/>
+        </a:xfrm>
+      </p:grpSpPr>
+      <p:sp>
+        <p:nvSpPr>
+          <p:cNvPr id="2" name="Slide Image Placeholder 1"/>
+          <p:cNvSpPr>
+            <a:spLocks noGrp="1" noRot="1" noChangeAspect="1"/>
+          </p:cNvSpPr>
+          <p:nvPr>
+            <p:ph type="sldImg"/>
+          </p:nvPr>
+        </p:nvSpPr>
+        <p:spPr>
+          <a:xfrm>
+            <a:off x="312738" y="685800"/>
+            <a:ext cx="6232525" cy="3429000"/>
+          </a:xfrm>
+        </p:spPr>
+      </p:sp>
+      <p:sp>
+        <p:nvSpPr>
+          <p:cNvPr id="3" name="Notes Placeholder 2"/>
+          <p:cNvSpPr>
+            <a:spLocks noGrp="1"/>
+          </p:cNvSpPr>
+          <p:nvPr>
+            <p:ph type="body" idx="1"/>
+          </p:nvPr>
+        </p:nvSpPr>
+        <p:spPr/>
+        <p:txBody>
+          <a:bodyPr/>
+          <a:lstStyle/>
+          <a:p>
+            <a:endParaRPr lang="en-US" dirty="0"/>
+          </a:p>
+        </p:txBody>
+      </p:sp>
+      <p:sp>
+        <p:nvSpPr>
+          <p:cNvPr id="4" name="Slide Number Placeholder 3"/>
+          <p:cNvSpPr>
+            <a:spLocks noGrp="1"/>
+          </p:cNvSpPr>
+          <p:nvPr>
+            <p:ph type="sldNum" sz="quarter" idx="10"/>
+          </p:nvPr>
+        </p:nvSpPr>
+        <p:spPr/>
+        <p:txBody>
+          <a:bodyPr/>
+          <a:lstStyle/>
+          <a:p>
+            <a:fld id="{A883C400-BD9D-4609-A213-F91E9750031E}" type="slidenum">
+              <a:rPr lang="en-US" smtClean="0"/>
+              <a:t>7</a:t>
+            </a:fld>
+            <a:endParaRPr lang="en-US" dirty="0"/>
+          </a:p>
+        </p:txBody>
+      </p:sp>
+    </p:spTree>
+    <p:extLst>
+      <p:ext uri="{BB962C8B-B14F-4D97-AF65-F5344CB8AC3E}">
+        <p14:creationId xmlns:p14="http://schemas.microsoft.com/office/powerpoint/2010/main" val="4195558700"/>
+      </p:ext>
+    </p:extLst>
+  </p:cSld>
+  <p:clrMapOvr>
+    <a:masterClrMapping/>
+  </p:clrMapOvr>
+</p:notes>
+</file>
+
 <file path=ppt/slideLayouts/slideLayout1.xml><?xml version="1.0" encoding="utf-8"?>
 <p:sldLayout xmlns:a="http://schemas.openxmlformats.org/drawingml/2006/main" xmlns:r="http://schemas.openxmlformats.org/officeDocument/2006/relationships" xmlns:p="http://schemas.openxmlformats.org/presentationml/2006/main" type="title" preserve="1">
   <p:cSld name="Title Slide">
@@ -4847,7 +4937,7 @@
             <a:fld id="{1D8BD707-D9CF-40AE-B4C6-C98DA3205C09}" type="datetimeFigureOut">
               <a:rPr lang="en-US" smtClean="0"/>
               <a:pPr/>
-              <a:t>6/21/2016</a:t>
+              <a:t>6/22/2016</a:t>
             </a:fld>
             <a:endParaRPr lang="en-US" dirty="0"/>
           </a:p>
@@ -5019,7 +5109,7 @@
             <a:fld id="{1D8BD707-D9CF-40AE-B4C6-C98DA3205C09}" type="datetimeFigureOut">
               <a:rPr lang="en-US" smtClean="0"/>
               <a:pPr/>
-              <a:t>6/21/2016</a:t>
+              <a:t>6/22/2016</a:t>
             </a:fld>
             <a:endParaRPr lang="en-US" dirty="0"/>
           </a:p>
@@ -5201,7 +5291,7 @@
             <a:fld id="{1D8BD707-D9CF-40AE-B4C6-C98DA3205C09}" type="datetimeFigureOut">
               <a:rPr lang="en-US" smtClean="0"/>
               <a:pPr/>
-              <a:t>6/21/2016</a:t>
+              <a:t>6/22/2016</a:t>
             </a:fld>
             <a:endParaRPr lang="en-US" dirty="0"/>
           </a:p>
@@ -5373,7 +5463,7 @@
             <a:fld id="{1D8BD707-D9CF-40AE-B4C6-C98DA3205C09}" type="datetimeFigureOut">
               <a:rPr lang="en-US" smtClean="0"/>
               <a:pPr/>
-              <a:t>6/21/2016</a:t>
+              <a:t>6/22/2016</a:t>
             </a:fld>
             <a:endParaRPr lang="en-US" dirty="0"/>
           </a:p>
@@ -5621,7 +5711,7 @@
             <a:fld id="{1D8BD707-D9CF-40AE-B4C6-C98DA3205C09}" type="datetimeFigureOut">
               <a:rPr lang="en-US" smtClean="0"/>
               <a:pPr/>
-              <a:t>6/21/2016</a:t>
+              <a:t>6/22/2016</a:t>
             </a:fld>
             <a:endParaRPr lang="en-US" dirty="0"/>
           </a:p>
@@ -5911,7 +6001,7 @@
             <a:fld id="{1D8BD707-D9CF-40AE-B4C6-C98DA3205C09}" type="datetimeFigureOut">
               <a:rPr lang="en-US" smtClean="0"/>
               <a:pPr/>
-              <a:t>6/21/2016</a:t>
+              <a:t>6/22/2016</a:t>
             </a:fld>
             <a:endParaRPr lang="en-US" dirty="0"/>
           </a:p>
@@ -6340,7 +6430,7 @@
             <a:fld id="{1D8BD707-D9CF-40AE-B4C6-C98DA3205C09}" type="datetimeFigureOut">
               <a:rPr lang="en-US" smtClean="0"/>
               <a:pPr/>
-              <a:t>6/21/2016</a:t>
+              <a:t>6/22/2016</a:t>
             </a:fld>
             <a:endParaRPr lang="en-US" dirty="0"/>
           </a:p>
@@ -6460,7 +6550,7 @@
             <a:fld id="{1D8BD707-D9CF-40AE-B4C6-C98DA3205C09}" type="datetimeFigureOut">
               <a:rPr lang="en-US" smtClean="0"/>
               <a:pPr/>
-              <a:t>6/21/2016</a:t>
+              <a:t>6/22/2016</a:t>
             </a:fld>
             <a:endParaRPr lang="en-US" dirty="0"/>
           </a:p>
@@ -6557,7 +6647,7 @@
             <a:fld id="{1D8BD707-D9CF-40AE-B4C6-C98DA3205C09}" type="datetimeFigureOut">
               <a:rPr lang="en-US" smtClean="0"/>
               <a:pPr/>
-              <a:t>6/21/2016</a:t>
+              <a:t>6/22/2016</a:t>
             </a:fld>
             <a:endParaRPr lang="en-US" dirty="0"/>
           </a:p>
@@ -6836,7 +6926,7 @@
             <a:fld id="{1D8BD707-D9CF-40AE-B4C6-C98DA3205C09}" type="datetimeFigureOut">
               <a:rPr lang="en-US" smtClean="0"/>
               <a:pPr/>
-              <a:t>6/21/2016</a:t>
+              <a:t>6/22/2016</a:t>
             </a:fld>
             <a:endParaRPr lang="en-US" dirty="0"/>
           </a:p>
@@ -7091,7 +7181,7 @@
             <a:fld id="{1D8BD707-D9CF-40AE-B4C6-C98DA3205C09}" type="datetimeFigureOut">
               <a:rPr lang="en-US" smtClean="0"/>
               <a:pPr/>
-              <a:t>6/21/2016</a:t>
+              <a:t>6/22/2016</a:t>
             </a:fld>
             <a:endParaRPr lang="en-US" dirty="0"/>
           </a:p>
@@ -7306,7 +7396,7 @@
             <a:fld id="{1D8BD707-D9CF-40AE-B4C6-C98DA3205C09}" type="datetimeFigureOut">
               <a:rPr lang="en-US" smtClean="0"/>
               <a:pPr/>
-              <a:t>6/21/2016</a:t>
+              <a:t>6/22/2016</a:t>
             </a:fld>
             <a:endParaRPr lang="en-US" dirty="0"/>
           </a:p>
@@ -7733,7 +7823,7 @@
         </p:nvSpPr>
         <p:spPr>
           <a:xfrm>
-            <a:off x="6720313" y="3785054"/>
+            <a:off x="7012013" y="3785054"/>
             <a:ext cx="1600200" cy="762000"/>
           </a:xfrm>
           <a:prstGeom prst="foldedCorner">
@@ -7774,8 +7864,8 @@
         </p:nvSpPr>
         <p:spPr>
           <a:xfrm>
-            <a:off x="7133223" y="3450928"/>
-            <a:ext cx="774379" cy="276999"/>
+            <a:off x="7261802" y="3442530"/>
+            <a:ext cx="1100622" cy="276999"/>
           </a:xfrm>
           <a:prstGeom prst="rect">
             <a:avLst/>
@@ -7807,7 +7897,7 @@
             </a:r>
             <a:r>
               <a:rPr lang="en-US" sz="1200" dirty="0" smtClean="0"/>
-              <a:t>yfile.txt</a:t>
+              <a:t>yinputfile.txt</a:t>
             </a:r>
             <a:endParaRPr lang="en-US" sz="1200" dirty="0"/>
           </a:p>
@@ -7821,7 +7911,7 @@
         </p:nvSpPr>
         <p:spPr>
           <a:xfrm>
-            <a:off x="638599" y="3785779"/>
+            <a:off x="152400" y="3654267"/>
             <a:ext cx="1676400" cy="962027"/>
           </a:xfrm>
           <a:prstGeom prst="ellipse">
@@ -7901,8 +7991,8 @@
         </p:nvSpPr>
         <p:spPr>
           <a:xfrm rot="5400000">
-            <a:off x="4514911" y="3303680"/>
-            <a:ext cx="629376" cy="1857374"/>
+            <a:off x="4002420" y="2791189"/>
+            <a:ext cx="725246" cy="2786486"/>
           </a:xfrm>
           <a:prstGeom prst="can">
             <a:avLst/>
@@ -7943,7 +8033,7 @@
         </p:nvSpPr>
         <p:spPr>
           <a:xfrm>
-            <a:off x="2900785" y="4060075"/>
+            <a:off x="5472532" y="2943866"/>
             <a:ext cx="638176" cy="344583"/>
           </a:xfrm>
           <a:prstGeom prst="flowChartMagneticDisk">
@@ -7985,7 +8075,7 @@
         </p:nvSpPr>
         <p:spPr>
           <a:xfrm>
-            <a:off x="3824713" y="3304031"/>
+            <a:off x="3703483" y="3288449"/>
             <a:ext cx="1537857" cy="276999"/>
           </a:xfrm>
           <a:prstGeom prst="rect">
@@ -8041,9 +8131,9 @@
           <p:nvPr/>
         </p:nvSpPr>
         <p:spPr>
-          <a:xfrm>
-            <a:off x="5758286" y="4091454"/>
-            <a:ext cx="962027" cy="238604"/>
+          <a:xfrm rot="10800000">
+            <a:off x="6095998" y="4091454"/>
+            <a:ext cx="916014" cy="238604"/>
           </a:xfrm>
           <a:prstGeom prst="rightArrow">
             <a:avLst/>
@@ -8074,55 +8164,20 @@
       </p:sp>
       <p:sp>
         <p:nvSpPr>
-          <p:cNvPr id="29" name="Right Arrow 28"/>
-          <p:cNvSpPr/>
-          <p:nvPr/>
-        </p:nvSpPr>
-        <p:spPr>
-          <a:xfrm>
-            <a:off x="3538961" y="4135281"/>
-            <a:ext cx="361952" cy="238604"/>
-          </a:xfrm>
-          <a:prstGeom prst="rightArrow">
-            <a:avLst/>
-          </a:prstGeom>
-        </p:spPr>
-        <p:style>
-          <a:lnRef idx="1">
-            <a:schemeClr val="accent4"/>
-          </a:lnRef>
-          <a:fillRef idx="3">
-            <a:schemeClr val="accent4"/>
-          </a:fillRef>
-          <a:effectRef idx="2">
-            <a:schemeClr val="accent4"/>
-          </a:effectRef>
-          <a:fontRef idx="minor">
-            <a:schemeClr val="lt1"/>
-          </a:fontRef>
-        </p:style>
-        <p:txBody>
-          <a:bodyPr rtlCol="0" anchor="ctr"/>
-          <a:lstStyle/>
-          <a:p>
-            <a:pPr algn="ctr"/>
-            <a:endParaRPr lang="en-US" dirty="0"/>
-          </a:p>
-        </p:txBody>
-      </p:sp>
-      <p:sp>
-        <p:nvSpPr>
           <p:cNvPr id="30" name="Right Arrow 29"/>
           <p:cNvSpPr/>
           <p:nvPr/>
         </p:nvSpPr>
         <p:spPr>
-          <a:xfrm>
-            <a:off x="2343574" y="4135281"/>
-            <a:ext cx="557211" cy="238604"/>
+          <a:xfrm rot="10800000">
+            <a:off x="1839178" y="4046752"/>
+            <a:ext cx="842533" cy="238604"/>
           </a:xfrm>
           <a:prstGeom prst="rightArrow">
-            <a:avLst/>
+            <a:avLst>
+              <a:gd name="adj1" fmla="val 57984"/>
+              <a:gd name="adj2" fmla="val 50000"/>
+            </a:avLst>
           </a:prstGeom>
         </p:spPr>
         <p:style>
@@ -8190,7 +8245,7 @@
               <a:buFont typeface="Wingdings" pitchFamily="2" charset="2"/>
               <a:buChar char="ü"/>
             </a:pPr>
-            <a:endParaRPr lang="en-US" sz="1100" dirty="0" smtClean="0"/>
+            <a:endParaRPr lang="en-US" sz="1000" dirty="0" smtClean="0"/>
           </a:p>
           <a:p>
             <a:pPr marL="171450" indent="-171450">
@@ -8198,37 +8253,29 @@
               <a:buChar char="ü"/>
             </a:pPr>
             <a:r>
-              <a:rPr lang="en-US" sz="1100" dirty="0" smtClean="0"/>
+              <a:rPr lang="en-US" sz="1000" dirty="0" smtClean="0"/>
               <a:t>The</a:t>
             </a:r>
             <a:r>
-              <a:rPr lang="en-US" sz="1100" dirty="0"/>
-              <a:t> </a:t>
-            </a:r>
-            <a:r>
-              <a:rPr lang="en-US" sz="1100" dirty="0"/>
-              <a:t>BufferedInputStream</a:t>
-            </a:r>
-            <a:r>
-              <a:rPr lang="en-US" sz="1100" dirty="0"/>
-              <a:t> class provides buffering to your input streams</a:t>
-            </a:r>
-            <a:r>
-              <a:rPr lang="en-US" sz="1100" dirty="0" smtClean="0"/>
+              <a:rPr lang="en-US" sz="1000" dirty="0"/>
+              <a:t> BufferedInputStream class provides buffering to your input streams</a:t>
+            </a:r>
+            <a:r>
+              <a:rPr lang="en-US" sz="1000" dirty="0" smtClean="0"/>
               <a:t>.</a:t>
             </a:r>
             <a:r>
-              <a:rPr lang="en-US" sz="1100" dirty="0"/>
+              <a:rPr lang="en-US" sz="1000" dirty="0"/>
               <a:t> Buffering can speed up IO quite a bit. Rather than read one byte at a time from the network or </a:t>
             </a:r>
             <a:r>
-              <a:rPr lang="en-US" sz="1100" dirty="0" smtClean="0"/>
+              <a:rPr lang="en-US" sz="1000" dirty="0" smtClean="0"/>
               <a:t>disk.</a:t>
             </a:r>
             <a:br>
-              <a:rPr lang="en-US" sz="1100" dirty="0" smtClean="0"/>
+              <a:rPr lang="en-US" sz="1000" dirty="0" smtClean="0"/>
             </a:br>
-            <a:endParaRPr lang="en-US" sz="1100" dirty="0" smtClean="0"/>
+            <a:endParaRPr lang="en-US" sz="1000" dirty="0" smtClean="0"/>
           </a:p>
           <a:p>
             <a:pPr marL="171450" indent="-171450">
@@ -8236,47 +8283,23 @@
               <a:buChar char="ü"/>
             </a:pPr>
             <a:r>
-              <a:rPr lang="en-US" sz="1100" dirty="0" smtClean="0"/>
+              <a:rPr lang="en-US" sz="1000" dirty="0" smtClean="0"/>
               <a:t>The</a:t>
             </a:r>
             <a:r>
-              <a:rPr lang="en-US" sz="1100" dirty="0"/>
-              <a:t> </a:t>
-            </a:r>
-            <a:r>
-              <a:rPr lang="en-US" sz="1100" dirty="0"/>
-              <a:t>BufferedInputStream</a:t>
-            </a:r>
-            <a:r>
-              <a:rPr lang="en-US" sz="1100" dirty="0"/>
-              <a:t> reads a larger block at a time into an internal buffer. When you read a byte from the </a:t>
-            </a:r>
-            <a:r>
-              <a:rPr lang="en-US" sz="1100" dirty="0"/>
-              <a:t>BufferedInputStream</a:t>
-            </a:r>
-            <a:r>
-              <a:rPr lang="en-US" sz="1100" dirty="0"/>
-              <a:t> you are therefore reading it from its internal buffer. When the buffer is fully read, the </a:t>
-            </a:r>
-            <a:r>
-              <a:rPr lang="en-US" sz="1100" dirty="0"/>
-              <a:t>BufferedInputStream</a:t>
-            </a:r>
-            <a:r>
-              <a:rPr lang="en-US" sz="1100" dirty="0"/>
-              <a:t> reads another larger block of data into the buffer. This is typically much faster than reading a single byte at a time from an </a:t>
-            </a:r>
-            <a:r>
-              <a:rPr lang="en-US" sz="1100" dirty="0" smtClean="0"/>
+              <a:rPr lang="en-US" sz="1000" dirty="0"/>
+              <a:t> BufferedInputStream reads a larger block at a time into an internal buffer. When you read a byte from the BufferedInputStream you are therefore reading it from its internal buffer. When the buffer is fully read, the BufferedInputStream reads another larger block of data into the buffer. This is typically much faster than reading a single byte at a time from an </a:t>
+            </a:r>
+            <a:r>
+              <a:rPr lang="en-US" sz="1000" dirty="0" smtClean="0"/>
               <a:t>InputStream, </a:t>
             </a:r>
             <a:r>
-              <a:rPr lang="en-US" sz="1100" dirty="0"/>
+              <a:rPr lang="en-US" sz="1000" dirty="0"/>
               <a:t>especially for disk access and larger data amounts</a:t>
             </a:r>
             <a:r>
-              <a:rPr lang="en-US" sz="1100" dirty="0" smtClean="0"/>
+              <a:rPr lang="en-US" sz="1000" dirty="0" smtClean="0"/>
               <a:t>.</a:t>
             </a:r>
           </a:p>
@@ -8285,7 +8308,7 @@
               <a:buFont typeface="Wingdings" pitchFamily="2" charset="2"/>
               <a:buChar char="ü"/>
             </a:pPr>
-            <a:endParaRPr lang="en-US" sz="1100" dirty="0"/>
+            <a:endParaRPr lang="en-US" sz="1000" dirty="0"/>
           </a:p>
           <a:p>
             <a:pPr marL="171450" indent="-171450">
@@ -8293,73 +8316,46 @@
               <a:buChar char="ü"/>
             </a:pPr>
             <a:r>
-              <a:rPr lang="en-US" sz="1100" dirty="0"/>
-              <a:t>A </a:t>
-            </a:r>
-            <a:r>
-              <a:rPr lang="en-US" sz="1100" dirty="0"/>
-              <a:t>BufferedInputStream</a:t>
-            </a:r>
-            <a:r>
-              <a:rPr lang="en-US" sz="1100" dirty="0"/>
-              <a:t> adds functionality to another input stream-namely, the ability to buffer the input and to support the </a:t>
-            </a:r>
-            <a:r>
-              <a:rPr lang="en-US" sz="1100" dirty="0"/>
-              <a:t>mark</a:t>
-            </a:r>
-            <a:r>
-              <a:rPr lang="en-US" sz="1100" dirty="0"/>
-              <a:t> and </a:t>
-            </a:r>
-            <a:r>
-              <a:rPr lang="en-US" sz="1100" dirty="0"/>
-              <a:t>reset</a:t>
-            </a:r>
-            <a:r>
-              <a:rPr lang="en-US" sz="1100" dirty="0"/>
-              <a:t> methods. When the </a:t>
-            </a:r>
-            <a:r>
-              <a:rPr lang="en-US" sz="1100" dirty="0"/>
-              <a:t>BufferedInputStream</a:t>
-            </a:r>
-            <a:r>
-              <a:rPr lang="en-US" sz="1100" dirty="0"/>
-              <a:t> is created, an internal buffer array is created. As bytes from the stream are read or skipped, the internal buffer is refilled as necessary from the contained input stream, many bytes at a time. The </a:t>
-            </a:r>
-            <a:r>
-              <a:rPr lang="en-US" sz="1100" dirty="0"/>
-              <a:t>mark</a:t>
-            </a:r>
-            <a:r>
-              <a:rPr lang="en-US" sz="1100" dirty="0"/>
-              <a:t> operation remembers a point in the input stream and the </a:t>
-            </a:r>
-            <a:r>
-              <a:rPr lang="en-US" sz="1100" dirty="0" smtClean="0"/>
+              <a:rPr lang="en-US" sz="1000" dirty="0"/>
+              <a:t>A BufferedInputStream adds functionality to another input stream-namely, the ability to buffer the input and to support the mark and reset methods. When the BufferedInputStream is created, an internal buffer array is created. As bytes from the stream are read or skipped, the internal buffer is refilled as necessary from the contained input stream, many bytes at a time. The mark operation remembers a point in the input stream and the </a:t>
+            </a:r>
+            <a:r>
+              <a:rPr lang="en-US" sz="1000" dirty="0" smtClean="0"/>
               <a:t>reset operation </a:t>
             </a:r>
             <a:r>
-              <a:rPr lang="en-US" sz="1100" dirty="0"/>
-              <a:t>causes all the bytes read since the most recent </a:t>
-            </a:r>
-            <a:r>
-              <a:rPr lang="en-US" sz="1100" dirty="0"/>
-              <a:t>mark</a:t>
-            </a:r>
-            <a:r>
-              <a:rPr lang="en-US" sz="1100" dirty="0"/>
-              <a:t> operation to be reread before new bytes are taken from the contained input stream.</a:t>
-            </a:r>
-            <a:endParaRPr lang="en-US" sz="1100" dirty="0" smtClean="0"/>
+              <a:rPr lang="en-US" sz="1000" dirty="0"/>
+              <a:t>causes all the bytes read since the most recent mark operation to be reread before new bytes are taken from the contained input stream</a:t>
+            </a:r>
+            <a:r>
+              <a:rPr lang="en-US" sz="1000" dirty="0" smtClean="0"/>
+              <a:t>.</a:t>
+            </a:r>
           </a:p>
           <a:p>
             <a:pPr marL="171450" indent="-171450">
               <a:buFont typeface="Wingdings" pitchFamily="2" charset="2"/>
               <a:buChar char="ü"/>
             </a:pPr>
-            <a:endParaRPr lang="en-US" sz="1100" dirty="0"/>
+            <a:endParaRPr lang="en-US" sz="1000" dirty="0"/>
+          </a:p>
+          <a:p>
+            <a:pPr marL="171450" indent="-171450">
+              <a:buFont typeface="Wingdings" pitchFamily="2" charset="2"/>
+              <a:buChar char="ü"/>
+            </a:pPr>
+            <a:r>
+              <a:rPr lang="en-US" sz="1000" dirty="0"/>
+              <a:t>Java BufferedInputStream class is used to read information from stream. It internally uses buffer mechanism to make the performance fast.</a:t>
+            </a:r>
+            <a:endParaRPr lang="en-US" sz="1000" dirty="0" smtClean="0"/>
+          </a:p>
+          <a:p>
+            <a:pPr marL="171450" indent="-171450">
+              <a:buFont typeface="Wingdings" pitchFamily="2" charset="2"/>
+              <a:buChar char="ü"/>
+            </a:pPr>
+            <a:endParaRPr lang="en-US" sz="1000" dirty="0"/>
           </a:p>
         </p:txBody>
       </p:sp>
@@ -8371,7 +8367,7 @@
         </p:nvSpPr>
         <p:spPr>
           <a:xfrm>
-            <a:off x="6015032" y="3821809"/>
+            <a:off x="6415933" y="3821809"/>
             <a:ext cx="496161" cy="276999"/>
           </a:xfrm>
           <a:prstGeom prst="rect">
@@ -8414,7 +8410,7 @@
         </p:nvSpPr>
         <p:spPr>
           <a:xfrm>
-            <a:off x="2343574" y="3821809"/>
+            <a:off x="2057400" y="3731558"/>
             <a:ext cx="496161" cy="276999"/>
           </a:xfrm>
           <a:prstGeom prst="rect">
@@ -8444,6 +8440,84 @@
             <a:r>
               <a:rPr lang="en-US" sz="1200" dirty="0" smtClean="0"/>
               <a:t>Read</a:t>
+            </a:r>
+            <a:endParaRPr lang="en-US" sz="1200" dirty="0"/>
+          </a:p>
+        </p:txBody>
+      </p:sp>
+      <p:cxnSp>
+        <p:nvCxnSpPr>
+          <p:cNvPr id="7" name="Straight Arrow Connector 6"/>
+          <p:cNvCxnSpPr>
+            <a:endCxn id="6" idx="3"/>
+          </p:cNvCxnSpPr>
+          <p:nvPr/>
+        </p:nvCxnSpPr>
+        <p:spPr>
+          <a:xfrm flipV="1">
+            <a:off x="5791620" y="3288449"/>
+            <a:ext cx="0" cy="300981"/>
+          </a:xfrm>
+          <a:prstGeom prst="straightConnector1">
+            <a:avLst/>
+          </a:prstGeom>
+          <a:ln>
+            <a:tailEnd type="arrow"/>
+          </a:ln>
+        </p:spPr>
+        <p:style>
+          <a:lnRef idx="1">
+            <a:schemeClr val="accent1"/>
+          </a:lnRef>
+          <a:fillRef idx="0">
+            <a:schemeClr val="accent1"/>
+          </a:fillRef>
+          <a:effectRef idx="0">
+            <a:schemeClr val="accent1"/>
+          </a:effectRef>
+          <a:fontRef idx="minor">
+            <a:schemeClr val="tx1"/>
+          </a:fontRef>
+        </p:style>
+      </p:cxnSp>
+      <p:sp>
+        <p:nvSpPr>
+          <p:cNvPr id="9" name="TextBox 8"/>
+          <p:cNvSpPr txBox="1"/>
+          <p:nvPr/>
+        </p:nvSpPr>
+        <p:spPr>
+          <a:xfrm>
+            <a:off x="5864203" y="3343173"/>
+            <a:ext cx="463588" cy="276999"/>
+          </a:xfrm>
+          <a:prstGeom prst="rect">
+            <a:avLst/>
+          </a:prstGeom>
+        </p:spPr>
+        <p:style>
+          <a:lnRef idx="1">
+            <a:schemeClr val="accent2"/>
+          </a:lnRef>
+          <a:fillRef idx="3">
+            <a:schemeClr val="accent2"/>
+          </a:fillRef>
+          <a:effectRef idx="2">
+            <a:schemeClr val="accent2"/>
+          </a:effectRef>
+          <a:fontRef idx="minor">
+            <a:schemeClr val="lt1"/>
+          </a:fontRef>
+        </p:style>
+        <p:txBody>
+          <a:bodyPr wrap="none" rtlCol="0">
+            <a:spAutoFit/>
+          </a:bodyPr>
+          <a:lstStyle/>
+          <a:p>
+            <a:r>
+              <a:rPr lang="en-US" sz="1200" dirty="0" smtClean="0"/>
+              <a:t>uses</a:t>
             </a:r>
             <a:endParaRPr lang="en-US" sz="1200" dirty="0"/>
           </a:p>
@@ -8545,7 +8619,7 @@
         </p:nvSpPr>
         <p:spPr>
           <a:xfrm>
-            <a:off x="1066800" y="2774823"/>
+            <a:off x="1171575" y="3090291"/>
             <a:ext cx="6400800" cy="612648"/>
           </a:xfrm>
           <a:prstGeom prst="flowChartAlternateProcess">
@@ -8593,7 +8667,7 @@
         </p:nvSpPr>
         <p:spPr>
           <a:xfrm>
-            <a:off x="990600" y="1219200"/>
+            <a:off x="1095375" y="1534668"/>
             <a:ext cx="7162800" cy="1295400"/>
           </a:xfrm>
           <a:prstGeom prst="wedgeRoundRectCallout">
@@ -8629,23 +8703,7 @@
             </a:pPr>
             <a:r>
               <a:rPr lang="en-US" sz="1200" dirty="0"/>
-              <a:t>To add buffering to an </a:t>
-            </a:r>
-            <a:r>
-              <a:rPr lang="en-US" sz="1200" dirty="0"/>
-              <a:t>InputStream</a:t>
-            </a:r>
-            <a:r>
-              <a:rPr lang="en-US" sz="1200" dirty="0"/>
-              <a:t> simply wrap it in a </a:t>
-            </a:r>
-            <a:r>
-              <a:rPr lang="en-US" sz="1200" dirty="0"/>
-              <a:t>BufferedInputStream</a:t>
-            </a:r>
-            <a:r>
-              <a:rPr lang="en-US" sz="1200" dirty="0"/>
-              <a:t>. </a:t>
+              <a:t>To add buffering to an InputStream simply wrap it in a BufferedInputStream. </a:t>
             </a:r>
             <a:r>
               <a:rPr lang="en-US" sz="1200" dirty="0" smtClean="0"/>
@@ -8663,39 +8721,7 @@
             </a:pPr>
             <a:r>
               <a:rPr lang="en-US" sz="1200" dirty="0"/>
-              <a:t>As you can see, using a </a:t>
-            </a:r>
-            <a:r>
-              <a:rPr lang="en-US" sz="1200" dirty="0"/>
-              <a:t>BufferedInputStream</a:t>
-            </a:r>
-            <a:r>
-              <a:rPr lang="en-US" sz="1200" dirty="0"/>
-              <a:t> to add buffering to a non-buffered </a:t>
-            </a:r>
-            <a:r>
-              <a:rPr lang="en-US" sz="1200" dirty="0"/>
-              <a:t>InputStream</a:t>
-            </a:r>
-            <a:r>
-              <a:rPr lang="en-US" sz="1200" dirty="0"/>
-              <a:t> is pretty easy. The </a:t>
-            </a:r>
-            <a:r>
-              <a:rPr lang="en-US" sz="1200" dirty="0"/>
-              <a:t>BufferedInputStream</a:t>
-            </a:r>
-            <a:r>
-              <a:rPr lang="en-US" sz="1200" dirty="0"/>
-              <a:t> creates a </a:t>
-            </a:r>
-            <a:r>
-              <a:rPr lang="en-US" sz="1200" dirty="0"/>
-              <a:t>byte</a:t>
-            </a:r>
-            <a:r>
-              <a:rPr lang="en-US" sz="1200" dirty="0"/>
-              <a:t> array internally, and attempts to fill the array by calling </a:t>
+              <a:t>As you can see, using a BufferedInputStream to add buffering to a non-buffered InputStream is pretty easy. The BufferedInputStream creates a byte array internally, and attempts to fill the array by calling </a:t>
             </a:r>
             <a:r>
               <a:rPr lang="en-US" sz="1200" dirty="0" smtClean="0"/>
@@ -8703,21 +8729,8 @@
             </a:r>
             <a:r>
               <a:rPr lang="en-US" sz="1200" dirty="0"/>
-              <a:t>[])</a:t>
-            </a:r>
-            <a:r>
-              <a:rPr lang="en-US" sz="1200" dirty="0"/>
-              <a:t> methods on the underlying </a:t>
-            </a:r>
-            <a:r>
-              <a:rPr lang="en-US" sz="1200" dirty="0"/>
-              <a:t>InputStream</a:t>
-            </a:r>
-            <a:r>
-              <a:rPr lang="en-US" sz="1200" dirty="0"/>
-              <a:t>.</a:t>
-            </a:r>
-            <a:endParaRPr lang="en-US" sz="1200" dirty="0"/>
+              <a:t>[]) methods on the underlying InputStream.</a:t>
+            </a:r>
           </a:p>
         </p:txBody>
       </p:sp>
@@ -8750,6 +8763,271 @@
 </file>
 
 <file path=ppt/slides/slide3.xml><?xml version="1.0" encoding="utf-8"?>
+<p:sld xmlns:a="http://schemas.openxmlformats.org/drawingml/2006/main" xmlns:r="http://schemas.openxmlformats.org/officeDocument/2006/relationships" xmlns:p="http://schemas.openxmlformats.org/presentationml/2006/main">
+  <p:cSld>
+    <p:spTree>
+      <p:nvGrpSpPr>
+        <p:cNvPr id="1" name=""/>
+        <p:cNvGrpSpPr/>
+        <p:nvPr/>
+      </p:nvGrpSpPr>
+      <p:grpSpPr>
+        <a:xfrm>
+          <a:off x="0" y="0"/>
+          <a:ext cx="0" cy="0"/>
+          <a:chOff x="0" y="0"/>
+          <a:chExt cx="0" cy="0"/>
+        </a:xfrm>
+      </p:grpSpPr>
+      <p:sp>
+        <p:nvSpPr>
+          <p:cNvPr id="18" name="Rectangle 17"/>
+          <p:cNvSpPr/>
+          <p:nvPr/>
+        </p:nvSpPr>
+        <p:spPr>
+          <a:xfrm>
+            <a:off x="3124200" y="11071"/>
+            <a:ext cx="2286000" cy="276999"/>
+          </a:xfrm>
+          <a:prstGeom prst="rect">
+            <a:avLst/>
+          </a:prstGeom>
+        </p:spPr>
+        <p:style>
+          <a:lnRef idx="1">
+            <a:schemeClr val="accent4"/>
+          </a:lnRef>
+          <a:fillRef idx="3">
+            <a:schemeClr val="accent4"/>
+          </a:fillRef>
+          <a:effectRef idx="2">
+            <a:schemeClr val="accent4"/>
+          </a:effectRef>
+          <a:fontRef idx="minor">
+            <a:schemeClr val="lt1"/>
+          </a:fontRef>
+        </p:style>
+        <p:txBody>
+          <a:bodyPr wrap="square">
+            <a:spAutoFit/>
+          </a:bodyPr>
+          <a:lstStyle/>
+          <a:p>
+            <a:pPr algn="ctr"/>
+            <a:r>
+              <a:rPr lang="en-US" sz="1200" dirty="0"/>
+              <a:t>Java BufferedInputStream class</a:t>
+            </a:r>
+          </a:p>
+        </p:txBody>
+      </p:sp>
+      <p:sp>
+        <p:nvSpPr>
+          <p:cNvPr id="5" name="Flowchart: Alternate Process 4"/>
+          <p:cNvSpPr/>
+          <p:nvPr/>
+        </p:nvSpPr>
+        <p:spPr>
+          <a:xfrm>
+            <a:off x="1066800" y="2768727"/>
+            <a:ext cx="7600950" cy="612648"/>
+          </a:xfrm>
+          <a:prstGeom prst="flowChartAlternateProcess">
+            <a:avLst/>
+          </a:prstGeom>
+        </p:spPr>
+        <p:style>
+          <a:lnRef idx="1">
+            <a:schemeClr val="accent3"/>
+          </a:lnRef>
+          <a:fillRef idx="2">
+            <a:schemeClr val="accent3"/>
+          </a:fillRef>
+          <a:effectRef idx="1">
+            <a:schemeClr val="accent3"/>
+          </a:effectRef>
+          <a:fontRef idx="minor">
+            <a:schemeClr val="dk1"/>
+          </a:fontRef>
+        </p:style>
+        <p:txBody>
+          <a:bodyPr rtlCol="0" anchor="ctr"/>
+          <a:lstStyle/>
+          <a:p>
+            <a:r>
+              <a:rPr lang="en-US" sz="1200" dirty="0"/>
+              <a:t>int bufferSize = 8 * 1024; </a:t>
+            </a:r>
+            <a:endParaRPr lang="en-US" sz="1200" dirty="0" smtClean="0"/>
+          </a:p>
+          <a:p>
+            <a:r>
+              <a:rPr lang="en-US" sz="1200" dirty="0" smtClean="0"/>
+              <a:t>InputStream </a:t>
+            </a:r>
+            <a:r>
+              <a:rPr lang="en-US" sz="1200" dirty="0"/>
+              <a:t>input = new BufferedInputStream( new FileInputStream("c:\\data</a:t>
+            </a:r>
+            <a:r>
+              <a:rPr lang="en-US" sz="1200" dirty="0" smtClean="0"/>
+              <a:t>\\</a:t>
+            </a:r>
+            <a:r>
+              <a:rPr lang="en-US" sz="1200" dirty="0"/>
+              <a:t> </a:t>
+            </a:r>
+            <a:r>
+              <a:rPr lang="en-US" sz="1200" dirty="0" smtClean="0"/>
+              <a:t>myinputfile.txt", </a:t>
+            </a:r>
+            <a:r>
+              <a:rPr lang="en-US" sz="1200" dirty="0"/>
+              <a:t>bufferSize );</a:t>
+            </a:r>
+          </a:p>
+        </p:txBody>
+      </p:sp>
+      <p:sp>
+        <p:nvSpPr>
+          <p:cNvPr id="6" name="Rounded Rectangular Callout 5"/>
+          <p:cNvSpPr/>
+          <p:nvPr/>
+        </p:nvSpPr>
+        <p:spPr>
+          <a:xfrm>
+            <a:off x="990600" y="838200"/>
+            <a:ext cx="7162800" cy="1776603"/>
+          </a:xfrm>
+          <a:prstGeom prst="wedgeRoundRectCallout">
+            <a:avLst>
+              <a:gd name="adj1" fmla="val -12136"/>
+              <a:gd name="adj2" fmla="val 62945"/>
+              <a:gd name="adj3" fmla="val 16667"/>
+            </a:avLst>
+          </a:prstGeom>
+          <a:ln w="3175"/>
+        </p:spPr>
+        <p:style>
+          <a:lnRef idx="2">
+            <a:schemeClr val="accent4"/>
+          </a:lnRef>
+          <a:fillRef idx="1">
+            <a:schemeClr val="lt1"/>
+          </a:fillRef>
+          <a:effectRef idx="0">
+            <a:schemeClr val="accent4"/>
+          </a:effectRef>
+          <a:fontRef idx="minor">
+            <a:schemeClr val="dk1"/>
+          </a:fontRef>
+        </p:style>
+        <p:txBody>
+          <a:bodyPr rtlCol="0" anchor="ctr"/>
+          <a:lstStyle/>
+          <a:p>
+            <a:pPr marL="171450" indent="-171450">
+              <a:buFont typeface="Wingdings" pitchFamily="2" charset="2"/>
+              <a:buChar char="ü"/>
+            </a:pPr>
+            <a:endParaRPr lang="en-US" sz="1200" dirty="0" smtClean="0"/>
+          </a:p>
+          <a:p>
+            <a:pPr marL="171450" indent="-171450">
+              <a:buFont typeface="Wingdings" pitchFamily="2" charset="2"/>
+              <a:buChar char="ü"/>
+            </a:pPr>
+            <a:r>
+              <a:rPr lang="en-US" sz="1200" dirty="0" smtClean="0"/>
+              <a:t>You </a:t>
+            </a:r>
+            <a:r>
+              <a:rPr lang="en-US" sz="1200" dirty="0"/>
+              <a:t>can set the buffer size to use internally by the BufferedInputStream. You provide the buffer size as a parameter to the BufferedInputStream constructor, like </a:t>
+            </a:r>
+            <a:r>
+              <a:rPr lang="en-US" sz="1200" dirty="0" smtClean="0"/>
+              <a:t>this</a:t>
+            </a:r>
+            <a:endParaRPr lang="en-US" sz="1200" dirty="0"/>
+          </a:p>
+          <a:p>
+            <a:r>
+              <a:rPr lang="en-US" sz="1200" dirty="0" smtClean="0"/>
+              <a:t> </a:t>
+            </a:r>
+          </a:p>
+          <a:p>
+            <a:pPr marL="171450" indent="-171450">
+              <a:buFont typeface="Wingdings" pitchFamily="2" charset="2"/>
+              <a:buChar char="ü"/>
+            </a:pPr>
+            <a:r>
+              <a:rPr lang="en-US" sz="1200" dirty="0" smtClean="0"/>
+              <a:t>This </a:t>
+            </a:r>
+            <a:r>
+              <a:rPr lang="en-US" sz="1200" dirty="0"/>
+              <a:t>example sets the internal buffer used by the BufferedInputStream to 8 KB. It is best to use buffer sizes that are multiples of 1024 bytes. That works best with most built-in buffering in hard disks etc</a:t>
+            </a:r>
+            <a:r>
+              <a:rPr lang="en-US" sz="1200" dirty="0" smtClean="0"/>
+              <a:t>.</a:t>
+            </a:r>
+            <a:br>
+              <a:rPr lang="en-US" sz="1200" dirty="0" smtClean="0"/>
+            </a:br>
+            <a:endParaRPr lang="en-US" sz="1200" dirty="0" smtClean="0"/>
+          </a:p>
+          <a:p>
+            <a:pPr marL="171450" indent="-171450">
+              <a:buFont typeface="Wingdings" pitchFamily="2" charset="2"/>
+              <a:buChar char="ü"/>
+            </a:pPr>
+            <a:r>
+              <a:rPr lang="en-US" sz="1200" dirty="0" smtClean="0"/>
+              <a:t>Except for adding buffering to your input streams, BufferedInputStream behaves exactly like an InputStream.</a:t>
+            </a:r>
+          </a:p>
+          <a:p>
+            <a:pPr marL="171450" indent="-171450">
+              <a:buFont typeface="Wingdings" pitchFamily="2" charset="2"/>
+              <a:buChar char="ü"/>
+            </a:pPr>
+            <a:endParaRPr lang="en-US" sz="1200" dirty="0"/>
+          </a:p>
+        </p:txBody>
+      </p:sp>
+    </p:spTree>
+    <p:extLst>
+      <p:ext uri="{BB962C8B-B14F-4D97-AF65-F5344CB8AC3E}">
+        <p14:creationId xmlns:p14="http://schemas.microsoft.com/office/powerpoint/2010/main" val="3645035414"/>
+      </p:ext>
+    </p:extLst>
+  </p:cSld>
+  <p:clrMapOvr>
+    <a:masterClrMapping/>
+  </p:clrMapOvr>
+  <mc:AlternateContent xmlns:mc="http://schemas.openxmlformats.org/markup-compatibility/2006" xmlns:p14="http://schemas.microsoft.com/office/powerpoint/2010/main">
+    <mc:Choice Requires="p14">
+      <p:transition spd="slow" p14:dur="2000"/>
+    </mc:Choice>
+    <mc:Fallback xmlns="">
+      <p:transition spd="slow"/>
+    </mc:Fallback>
+  </mc:AlternateContent>
+  <p:timing>
+    <p:tnLst>
+      <p:par>
+        <p:cTn id="1" dur="indefinite" restart="never" nodeType="tmRoot"/>
+      </p:par>
+    </p:tnLst>
+  </p:timing>
+</p:sld>
+</file>
+
+<file path=ppt/slides/slide4.xml><?xml version="1.0" encoding="utf-8"?>
 <p:sld xmlns:a="http://schemas.openxmlformats.org/drawingml/2006/main" xmlns:r="http://schemas.openxmlformats.org/officeDocument/2006/relationships" xmlns:p="http://schemas.openxmlformats.org/presentationml/2006/main">
   <p:cSld>
     <p:spTree>
@@ -8859,7 +9137,7 @@
 </p:sld>
 </file>
 
-<file path=ppt/slides/slide4.xml><?xml version="1.0" encoding="utf-8"?>
+<file path=ppt/slides/slide5.xml><?xml version="1.0" encoding="utf-8"?>
 <p:sld xmlns:a="http://schemas.openxmlformats.org/drawingml/2006/main" xmlns:r="http://schemas.openxmlformats.org/officeDocument/2006/relationships" xmlns:p="http://schemas.openxmlformats.org/presentationml/2006/main">
   <p:cSld>
     <p:spTree>
@@ -9039,7 +9317,7 @@
 </p:sld>
 </file>
 
-<file path=ppt/slides/slide5.xml><?xml version="1.0" encoding="utf-8"?>
+<file path=ppt/slides/slide6.xml><?xml version="1.0" encoding="utf-8"?>
 <p:sld xmlns:a="http://schemas.openxmlformats.org/drawingml/2006/main" xmlns:r="http://schemas.openxmlformats.org/officeDocument/2006/relationships" xmlns:p="http://schemas.openxmlformats.org/presentationml/2006/main">
   <p:cSld>
     <p:spTree>
@@ -9173,7 +9451,7 @@
 </p:sld>
 </file>
 
-<file path=ppt/slides/slide6.xml><?xml version="1.0" encoding="utf-8"?>
+<file path=ppt/slides/slide7.xml><?xml version="1.0" encoding="utf-8"?>
 <p:sld xmlns:a="http://schemas.openxmlformats.org/drawingml/2006/main" xmlns:r="http://schemas.openxmlformats.org/officeDocument/2006/relationships" xmlns:p="http://schemas.openxmlformats.org/presentationml/2006/main">
   <p:cSld>
     <p:spTree>
